--- a/presentation/Automatic Essay Grading_Final.pptx
+++ b/presentation/Automatic Essay Grading_Final.pptx
@@ -21,12 +21,13 @@
     <p:sldId id="278" r:id="rId15"/>
     <p:sldId id="279" r:id="rId16"/>
     <p:sldId id="280" r:id="rId17"/>
-    <p:sldId id="277" r:id="rId18"/>
-    <p:sldId id="275" r:id="rId19"/>
-    <p:sldId id="274" r:id="rId20"/>
-    <p:sldId id="276" r:id="rId21"/>
-    <p:sldId id="265" r:id="rId22"/>
-    <p:sldId id="266" r:id="rId23"/>
+    <p:sldId id="281" r:id="rId18"/>
+    <p:sldId id="277" r:id="rId19"/>
+    <p:sldId id="275" r:id="rId20"/>
+    <p:sldId id="274" r:id="rId21"/>
+    <p:sldId id="276" r:id="rId22"/>
+    <p:sldId id="265" r:id="rId23"/>
+    <p:sldId id="266" r:id="rId24"/>
   </p:sldIdLst>
   <p:sldSz cx="12192000" cy="6858000"/>
   <p:notesSz cx="6858000" cy="9144000"/>
@@ -7103,116 +7104,59 @@
           <a:p>
             <a:r>
               <a:rPr lang="en-IN" dirty="0" smtClean="0"/>
-              <a:t>Results – Selected features and </a:t>
-            </a:r>
-            <a:r>
-              <a:rPr lang="en-IN" dirty="0" err="1" smtClean="0"/>
-              <a:t>GloVe</a:t>
+              <a:t>LSTM</a:t>
             </a:r>
             <a:endParaRPr lang="en-IN" dirty="0"/>
           </a:p>
         </p:txBody>
       </p:sp>
-      <p:sp>
-        <p:nvSpPr>
-          <p:cNvPr id="3" name="Content Placeholder 2"/>
-          <p:cNvSpPr>
-            <a:spLocks noGrp="1"/>
-          </p:cNvSpPr>
-          <p:nvPr>
-            <p:ph sz="half" idx="1"/>
-          </p:nvPr>
-        </p:nvSpPr>
-        <p:spPr/>
-        <p:txBody>
-          <a:bodyPr/>
-          <a:lstStyle/>
-          <a:p>
-            <a:r>
-              <a:rPr lang="en-IN" dirty="0" smtClean="0"/>
-              <a:t>LSTM gave best performance</a:t>
-            </a:r>
-          </a:p>
-          <a:p>
-            <a:r>
-              <a:rPr lang="en-IN" dirty="0" err="1" smtClean="0"/>
-              <a:t>AdaBoost</a:t>
-            </a:r>
-            <a:r>
-              <a:rPr lang="en-IN" dirty="0" smtClean="0"/>
-              <a:t> with Decision trees</a:t>
-            </a:r>
-          </a:p>
-          <a:p>
-            <a:r>
-              <a:rPr lang="en-IN" dirty="0" smtClean="0"/>
-              <a:t>Random forest implementation</a:t>
-            </a:r>
-          </a:p>
-          <a:p>
-            <a:r>
-              <a:rPr lang="en-IN" dirty="0" smtClean="0"/>
-              <a:t>SVR</a:t>
-            </a:r>
-            <a:endParaRPr lang="en-IN" dirty="0"/>
-          </a:p>
-        </p:txBody>
-      </p:sp>
-      <p:sp>
-        <p:nvSpPr>
-          <p:cNvPr id="4" name="Content Placeholder 3"/>
-          <p:cNvSpPr>
-            <a:spLocks noGrp="1"/>
-          </p:cNvSpPr>
-          <p:nvPr>
-            <p:ph sz="half" idx="2"/>
-          </p:nvPr>
-        </p:nvSpPr>
-        <p:spPr/>
-        <p:txBody>
-          <a:bodyPr/>
-          <a:lstStyle/>
-          <a:p>
-            <a:r>
-              <a:rPr lang="en-IN" dirty="0"/>
-              <a:t>Kappa ~</a:t>
-            </a:r>
-            <a:r>
-              <a:rPr lang="en-IN" dirty="0" smtClean="0"/>
-              <a:t> 0.90</a:t>
-            </a:r>
-          </a:p>
-          <a:p>
-            <a:r>
-              <a:rPr lang="en-IN" dirty="0" smtClean="0"/>
-              <a:t>Kappa </a:t>
-            </a:r>
-            <a:r>
-              <a:rPr lang="en-IN" dirty="0"/>
-              <a:t>~ 0.82</a:t>
-            </a:r>
-          </a:p>
-          <a:p>
-            <a:r>
-              <a:rPr lang="en-IN" dirty="0"/>
-              <a:t>Kappa ~ 0.80</a:t>
-            </a:r>
-          </a:p>
-          <a:p>
-            <a:r>
-              <a:rPr lang="en-IN" dirty="0"/>
-              <a:t>Kappa ~ 0.76</a:t>
-            </a:r>
-          </a:p>
-          <a:p>
-            <a:endParaRPr lang="en-IN" dirty="0"/>
-          </a:p>
-        </p:txBody>
-      </p:sp>
+      <p:pic>
+        <p:nvPicPr>
+          <p:cNvPr id="4098" name="Picture 2" descr="RNN-unrolled.png"/>
+          <p:cNvPicPr>
+            <a:picLocks noGrp="1" noChangeAspect="1" noChangeArrowheads="1"/>
+          </p:cNvPicPr>
+          <p:nvPr>
+            <p:ph idx="1"/>
+          </p:nvPr>
+        </p:nvPicPr>
+        <p:blipFill>
+          <a:blip r:embed="rId2">
+            <a:extLst>
+              <a:ext uri="{28A0092B-C50C-407E-A947-70E740481C1C}">
+                <a14:useLocalDpi xmlns:a14="http://schemas.microsoft.com/office/drawing/2010/main" val="0"/>
+              </a:ext>
+            </a:extLst>
+          </a:blip>
+          <a:srcRect/>
+          <a:stretch>
+            <a:fillRect/>
+          </a:stretch>
+        </p:blipFill>
+        <p:spPr bwMode="auto">
+          <a:xfrm>
+            <a:off x="1484313" y="2914144"/>
+            <a:ext cx="10018712" cy="2629911"/>
+          </a:xfrm>
+          <a:prstGeom prst="rect">
+            <a:avLst/>
+          </a:prstGeom>
+          <a:noFill/>
+          <a:extLst>
+            <a:ext uri="{909E8E84-426E-40DD-AFC4-6F175D3DCCD1}">
+              <a14:hiddenFill xmlns:a14="http://schemas.microsoft.com/office/drawing/2010/main">
+                <a:solidFill>
+                  <a:srgbClr val="FFFFFF"/>
+                </a:solidFill>
+              </a14:hiddenFill>
+            </a:ext>
+          </a:extLst>
+        </p:spPr>
+      </p:pic>
     </p:spTree>
     <p:extLst>
       <p:ext uri="{BB962C8B-B14F-4D97-AF65-F5344CB8AC3E}">
-        <p14:creationId xmlns:p14="http://schemas.microsoft.com/office/powerpoint/2010/main" val="927223538"/>
+        <p14:creationId xmlns:p14="http://schemas.microsoft.com/office/powerpoint/2010/main" val="873104967"/>
       </p:ext>
     </p:extLst>
   </p:cSld>
@@ -7246,7 +7190,7 @@
             <a:spLocks noGrp="1"/>
           </p:cNvSpPr>
           <p:nvPr>
-            <p:ph type="ctrTitle"/>
+            <p:ph type="title"/>
           </p:nvPr>
         </p:nvSpPr>
         <p:spPr/>
@@ -7256,7 +7200,11 @@
           <a:p>
             <a:r>
               <a:rPr lang="en-IN" dirty="0" smtClean="0"/>
-              <a:t>Future work…</a:t>
+              <a:t>Results – Selected features and </a:t>
+            </a:r>
+            <a:r>
+              <a:rPr lang="en-IN" dirty="0" err="1" smtClean="0"/>
+              <a:t>GloVe</a:t>
             </a:r>
             <a:endParaRPr lang="en-IN" dirty="0"/>
           </a:p>
@@ -7264,12 +7212,12 @@
       </p:sp>
       <p:sp>
         <p:nvSpPr>
-          <p:cNvPr id="6" name="Subtitle 5"/>
-          <p:cNvSpPr>
-            <a:spLocks noGrp="1"/>
-          </p:cNvSpPr>
-          <p:nvPr>
-            <p:ph type="subTitle" idx="1"/>
+          <p:cNvPr id="3" name="Content Placeholder 2"/>
+          <p:cNvSpPr>
+            <a:spLocks noGrp="1"/>
+          </p:cNvSpPr>
+          <p:nvPr>
+            <p:ph sz="half" idx="1"/>
           </p:nvPr>
         </p:nvSpPr>
         <p:spPr/>
@@ -7277,14 +7225,91 @@
           <a:bodyPr/>
           <a:lstStyle/>
           <a:p>
-            <a:endParaRPr lang="en-IN"/>
+            <a:r>
+              <a:rPr lang="en-IN" dirty="0" smtClean="0"/>
+              <a:t>LSTM gave best performance</a:t>
+            </a:r>
+          </a:p>
+          <a:p>
+            <a:r>
+              <a:rPr lang="en-IN" dirty="0" err="1" smtClean="0"/>
+              <a:t>AdaBoost</a:t>
+            </a:r>
+            <a:r>
+              <a:rPr lang="en-IN" dirty="0" smtClean="0"/>
+              <a:t> with Decision trees</a:t>
+            </a:r>
+          </a:p>
+          <a:p>
+            <a:r>
+              <a:rPr lang="en-IN" dirty="0" smtClean="0"/>
+              <a:t>Random forest implementation</a:t>
+            </a:r>
+          </a:p>
+          <a:p>
+            <a:r>
+              <a:rPr lang="en-IN" dirty="0" smtClean="0"/>
+              <a:t>SVR</a:t>
+            </a:r>
+            <a:endParaRPr lang="en-IN" dirty="0"/>
+          </a:p>
+        </p:txBody>
+      </p:sp>
+      <p:sp>
+        <p:nvSpPr>
+          <p:cNvPr id="4" name="Content Placeholder 3"/>
+          <p:cNvSpPr>
+            <a:spLocks noGrp="1"/>
+          </p:cNvSpPr>
+          <p:nvPr>
+            <p:ph sz="half" idx="2"/>
+          </p:nvPr>
+        </p:nvSpPr>
+        <p:spPr/>
+        <p:txBody>
+          <a:bodyPr/>
+          <a:lstStyle/>
+          <a:p>
+            <a:r>
+              <a:rPr lang="en-IN" dirty="0"/>
+              <a:t>Kappa ~</a:t>
+            </a:r>
+            <a:r>
+              <a:rPr lang="en-IN" dirty="0" smtClean="0"/>
+              <a:t> 0.90</a:t>
+            </a:r>
+          </a:p>
+          <a:p>
+            <a:r>
+              <a:rPr lang="en-IN" dirty="0" smtClean="0"/>
+              <a:t>Kappa </a:t>
+            </a:r>
+            <a:r>
+              <a:rPr lang="en-IN" dirty="0"/>
+              <a:t>~ 0.82</a:t>
+            </a:r>
+          </a:p>
+          <a:p>
+            <a:r>
+              <a:rPr lang="en-IN" dirty="0"/>
+              <a:t>Kappa ~ 0.80</a:t>
+            </a:r>
+          </a:p>
+          <a:p>
+            <a:r>
+              <a:rPr lang="en-IN" dirty="0"/>
+              <a:t>Kappa ~ 0.76</a:t>
+            </a:r>
+          </a:p>
+          <a:p>
+            <a:endParaRPr lang="en-IN" dirty="0"/>
           </a:p>
         </p:txBody>
       </p:sp>
     </p:spTree>
     <p:extLst>
       <p:ext uri="{BB962C8B-B14F-4D97-AF65-F5344CB8AC3E}">
-        <p14:creationId xmlns:p14="http://schemas.microsoft.com/office/powerpoint/2010/main" val="4043366773"/>
+        <p14:creationId xmlns:p14="http://schemas.microsoft.com/office/powerpoint/2010/main" val="927223538"/>
       </p:ext>
     </p:extLst>
   </p:cSld>
@@ -7318,7 +7343,7 @@
             <a:spLocks noGrp="1"/>
           </p:cNvSpPr>
           <p:nvPr>
-            <p:ph type="title"/>
+            <p:ph type="ctrTitle"/>
           </p:nvPr>
         </p:nvSpPr>
         <p:spPr/>
@@ -7328,7 +7353,7 @@
           <a:p>
             <a:r>
               <a:rPr lang="en-IN" dirty="0" smtClean="0"/>
-              <a:t>More features?</a:t>
+              <a:t>Future work…</a:t>
             </a:r>
             <a:endParaRPr lang="en-IN" dirty="0"/>
           </a:p>
@@ -7336,149 +7361,33 @@
       </p:sp>
       <p:sp>
         <p:nvSpPr>
-          <p:cNvPr id="3" name="Content Placeholder 2"/>
-          <p:cNvSpPr>
-            <a:spLocks noGrp="1"/>
-          </p:cNvSpPr>
-          <p:nvPr>
-            <p:ph sz="half" idx="1"/>
-          </p:nvPr>
-        </p:nvSpPr>
-        <p:spPr>
-          <a:xfrm>
-            <a:off x="6493667" y="2648711"/>
-            <a:ext cx="4895055" cy="3124201"/>
-          </a:xfrm>
-        </p:spPr>
+          <p:cNvPr id="6" name="Subtitle 5"/>
+          <p:cNvSpPr>
+            <a:spLocks noGrp="1"/>
+          </p:cNvSpPr>
+          <p:nvPr>
+            <p:ph type="subTitle" idx="1"/>
+          </p:nvPr>
+        </p:nvSpPr>
+        <p:spPr/>
         <p:txBody>
           <a:bodyPr/>
           <a:lstStyle/>
           <a:p>
-            <a:pPr marL="0" indent="0">
-              <a:buNone/>
-            </a:pPr>
-            <a:r>
-              <a:rPr lang="en-IN" b="1" dirty="0" smtClean="0"/>
-              <a:t>Possible solutions?</a:t>
-            </a:r>
-          </a:p>
-          <a:p>
-            <a:r>
-              <a:rPr lang="en-IN" dirty="0" smtClean="0"/>
-              <a:t>Structure of </a:t>
-            </a:r>
-            <a:r>
-              <a:rPr lang="en-IN" dirty="0" smtClean="0"/>
-              <a:t>sentences (using say </a:t>
-            </a:r>
-            <a:r>
-              <a:rPr lang="en-IN" dirty="0" err="1" smtClean="0"/>
-              <a:t>TextRank</a:t>
-            </a:r>
-            <a:r>
-              <a:rPr lang="en-IN" dirty="0" smtClean="0"/>
-              <a:t>)</a:t>
-            </a:r>
-          </a:p>
-          <a:p>
-            <a:r>
-              <a:rPr lang="en-IN" dirty="0" smtClean="0"/>
-              <a:t>Grammatical correctness</a:t>
-            </a:r>
-          </a:p>
-          <a:p>
-            <a:r>
-              <a:rPr lang="en-IN" dirty="0" smtClean="0"/>
-              <a:t>Combining </a:t>
-            </a:r>
-            <a:r>
-              <a:rPr lang="en-IN" dirty="0" err="1" smtClean="0"/>
-              <a:t>GloVe</a:t>
-            </a:r>
-            <a:r>
-              <a:rPr lang="en-IN" dirty="0" smtClean="0"/>
-              <a:t> and our feature set</a:t>
-            </a:r>
-            <a:endParaRPr lang="en-IN" dirty="0" smtClean="0"/>
-          </a:p>
-        </p:txBody>
-      </p:sp>
-      <p:sp>
-        <p:nvSpPr>
-          <p:cNvPr id="4" name="Content Placeholder 3"/>
-          <p:cNvSpPr>
-            <a:spLocks noGrp="1"/>
-          </p:cNvSpPr>
-          <p:nvPr>
-            <p:ph sz="half" idx="2"/>
-          </p:nvPr>
-        </p:nvSpPr>
-        <p:spPr>
-          <a:xfrm>
-            <a:off x="1484311" y="2648712"/>
-            <a:ext cx="4895056" cy="3124200"/>
-          </a:xfrm>
-        </p:spPr>
-        <p:txBody>
-          <a:bodyPr/>
-          <a:lstStyle/>
-          <a:p>
-            <a:pPr marL="0" indent="0">
-              <a:buNone/>
-            </a:pPr>
-            <a:r>
-              <a:rPr lang="en-IN" b="1" dirty="0" smtClean="0"/>
-              <a:t>Limitations</a:t>
-            </a:r>
-          </a:p>
-          <a:p>
-            <a:r>
-              <a:rPr lang="en-IN" dirty="0" smtClean="0"/>
-              <a:t>Extracted feature are too shallow</a:t>
-            </a:r>
-            <a:endParaRPr lang="en-IN" dirty="0" smtClean="0"/>
-          </a:p>
-          <a:p>
-            <a:r>
-              <a:rPr lang="en-IN" dirty="0" smtClean="0"/>
-              <a:t>Content of essay is </a:t>
-            </a:r>
-            <a:r>
-              <a:rPr lang="en-IN" dirty="0" smtClean="0"/>
-              <a:t>factored by </a:t>
-            </a:r>
-            <a:r>
-              <a:rPr lang="en-IN" dirty="0" err="1" smtClean="0"/>
-              <a:t>GloVe</a:t>
-            </a:r>
-            <a:endParaRPr lang="en-IN" dirty="0" smtClean="0"/>
-          </a:p>
-          <a:p>
-            <a:r>
-              <a:rPr lang="en-IN" dirty="0" smtClean="0"/>
-              <a:t>Creativity is underrated</a:t>
-            </a:r>
-            <a:endParaRPr lang="en-IN" dirty="0"/>
+            <a:endParaRPr lang="en-IN"/>
           </a:p>
         </p:txBody>
       </p:sp>
     </p:spTree>
     <p:extLst>
       <p:ext uri="{BB962C8B-B14F-4D97-AF65-F5344CB8AC3E}">
-        <p14:creationId xmlns:p14="http://schemas.microsoft.com/office/powerpoint/2010/main" val="3365944287"/>
+        <p14:creationId xmlns:p14="http://schemas.microsoft.com/office/powerpoint/2010/main" val="4043366773"/>
       </p:ext>
     </p:extLst>
   </p:cSld>
   <p:clrMapOvr>
     <a:masterClrMapping/>
   </p:clrMapOvr>
-  <p:timing>
-    <p:tnLst>
-      <p:par>
-        <p:cTn id="1" dur="indefinite" restart="never" nodeType="tmRoot"/>
-      </p:par>
-    </p:tnLst>
-  </p:timing>
 </p:sld>
 </file>
 
@@ -7599,7 +7508,7 @@
       </p:grpSpPr>
       <p:sp>
         <p:nvSpPr>
-          <p:cNvPr id="5" name="Title 4"/>
+          <p:cNvPr id="2" name="Title 1"/>
           <p:cNvSpPr>
             <a:spLocks noGrp="1"/>
           </p:cNvSpPr>
@@ -7614,7 +7523,7 @@
           <a:p>
             <a:r>
               <a:rPr lang="en-IN" dirty="0" smtClean="0"/>
-              <a:t>Tweaking models</a:t>
+              <a:t>More features?</a:t>
             </a:r>
             <a:endParaRPr lang="en-IN" dirty="0"/>
           </a:p>
@@ -7622,48 +7531,149 @@
       </p:sp>
       <p:sp>
         <p:nvSpPr>
-          <p:cNvPr id="6" name="Content Placeholder 5"/>
-          <p:cNvSpPr>
-            <a:spLocks noGrp="1"/>
-          </p:cNvSpPr>
-          <p:nvPr>
-            <p:ph idx="1"/>
-          </p:nvPr>
-        </p:nvSpPr>
-        <p:spPr/>
+          <p:cNvPr id="3" name="Content Placeholder 2"/>
+          <p:cNvSpPr>
+            <a:spLocks noGrp="1"/>
+          </p:cNvSpPr>
+          <p:nvPr>
+            <p:ph sz="half" idx="1"/>
+          </p:nvPr>
+        </p:nvSpPr>
+        <p:spPr>
+          <a:xfrm>
+            <a:off x="6493667" y="2648711"/>
+            <a:ext cx="4895055" cy="3124201"/>
+          </a:xfrm>
+        </p:spPr>
         <p:txBody>
           <a:bodyPr/>
           <a:lstStyle/>
           <a:p>
-            <a:r>
-              <a:rPr lang="en-IN" dirty="0" smtClean="0"/>
-              <a:t>LSTM was most promising</a:t>
-            </a:r>
-          </a:p>
-          <a:p>
-            <a:r>
-              <a:rPr lang="en-IN" dirty="0" smtClean="0"/>
-              <a:t>Tweak LSTM parameters to suit improved feature set</a:t>
-            </a:r>
-          </a:p>
-          <a:p>
-            <a:r>
-              <a:rPr lang="en-IN" dirty="0" smtClean="0"/>
-              <a:t>Test other models with improved feature set</a:t>
-            </a:r>
+            <a:pPr marL="0" indent="0">
+              <a:buNone/>
+            </a:pPr>
+            <a:r>
+              <a:rPr lang="en-IN" b="1" dirty="0" smtClean="0"/>
+              <a:t>Possible solutions?</a:t>
+            </a:r>
+          </a:p>
+          <a:p>
+            <a:r>
+              <a:rPr lang="en-IN" dirty="0" smtClean="0"/>
+              <a:t>Structure of </a:t>
+            </a:r>
+            <a:r>
+              <a:rPr lang="en-IN" dirty="0" smtClean="0"/>
+              <a:t>sentences (using say </a:t>
+            </a:r>
+            <a:r>
+              <a:rPr lang="en-IN" dirty="0" err="1" smtClean="0"/>
+              <a:t>TextRank</a:t>
+            </a:r>
+            <a:r>
+              <a:rPr lang="en-IN" dirty="0" smtClean="0"/>
+              <a:t>)</a:t>
+            </a:r>
+          </a:p>
+          <a:p>
+            <a:r>
+              <a:rPr lang="en-IN" dirty="0" smtClean="0"/>
+              <a:t>Grammatical correctness</a:t>
+            </a:r>
+          </a:p>
+          <a:p>
+            <a:r>
+              <a:rPr lang="en-IN" dirty="0" smtClean="0"/>
+              <a:t>Combining </a:t>
+            </a:r>
+            <a:r>
+              <a:rPr lang="en-IN" dirty="0" err="1" smtClean="0"/>
+              <a:t>GloVe</a:t>
+            </a:r>
+            <a:r>
+              <a:rPr lang="en-IN" dirty="0" smtClean="0"/>
+              <a:t> and our feature set</a:t>
+            </a:r>
+            <a:endParaRPr lang="en-IN" dirty="0" smtClean="0"/>
+          </a:p>
+        </p:txBody>
+      </p:sp>
+      <p:sp>
+        <p:nvSpPr>
+          <p:cNvPr id="4" name="Content Placeholder 3"/>
+          <p:cNvSpPr>
+            <a:spLocks noGrp="1"/>
+          </p:cNvSpPr>
+          <p:nvPr>
+            <p:ph sz="half" idx="2"/>
+          </p:nvPr>
+        </p:nvSpPr>
+        <p:spPr>
+          <a:xfrm>
+            <a:off x="1484311" y="2648712"/>
+            <a:ext cx="4895056" cy="3124200"/>
+          </a:xfrm>
+        </p:spPr>
+        <p:txBody>
+          <a:bodyPr/>
+          <a:lstStyle/>
+          <a:p>
+            <a:pPr marL="0" indent="0">
+              <a:buNone/>
+            </a:pPr>
+            <a:r>
+              <a:rPr lang="en-IN" b="1" dirty="0" smtClean="0"/>
+              <a:t>Limitations</a:t>
+            </a:r>
+          </a:p>
+          <a:p>
+            <a:r>
+              <a:rPr lang="en-IN" dirty="0" smtClean="0"/>
+              <a:t>Extracted feature are too shallow</a:t>
+            </a:r>
+            <a:endParaRPr lang="en-IN" dirty="0" smtClean="0"/>
+          </a:p>
+          <a:p>
+            <a:r>
+              <a:rPr lang="en-IN" dirty="0" smtClean="0"/>
+              <a:t>Content of essay is </a:t>
+            </a:r>
+            <a:r>
+              <a:rPr lang="en-IN" dirty="0" smtClean="0"/>
+              <a:t>factored only by </a:t>
+            </a:r>
+            <a:r>
+              <a:rPr lang="en-IN" dirty="0" err="1" smtClean="0"/>
+              <a:t>GloVe</a:t>
+            </a:r>
+            <a:endParaRPr lang="en-IN" dirty="0" smtClean="0"/>
+          </a:p>
+          <a:p>
+            <a:r>
+              <a:rPr lang="en-IN" dirty="0" smtClean="0"/>
+              <a:t>Creativity is underrated</a:t>
+            </a:r>
+            <a:endParaRPr lang="en-IN" dirty="0"/>
           </a:p>
         </p:txBody>
       </p:sp>
     </p:spTree>
     <p:extLst>
       <p:ext uri="{BB962C8B-B14F-4D97-AF65-F5344CB8AC3E}">
-        <p14:creationId xmlns:p14="http://schemas.microsoft.com/office/powerpoint/2010/main" val="3970465873"/>
+        <p14:creationId xmlns:p14="http://schemas.microsoft.com/office/powerpoint/2010/main" val="3365944287"/>
       </p:ext>
     </p:extLst>
   </p:cSld>
   <p:clrMapOvr>
     <a:masterClrMapping/>
   </p:clrMapOvr>
+  <p:timing>
+    <p:tnLst>
+      <p:par>
+        <p:cTn id="1" dur="indefinite" restart="never" nodeType="tmRoot"/>
+      </p:par>
+    </p:tnLst>
+  </p:timing>
 </p:sld>
 </file>
 
@@ -7686,6 +7696,93 @@
       </p:grpSpPr>
       <p:sp>
         <p:nvSpPr>
+          <p:cNvPr id="5" name="Title 4"/>
+          <p:cNvSpPr>
+            <a:spLocks noGrp="1"/>
+          </p:cNvSpPr>
+          <p:nvPr>
+            <p:ph type="title"/>
+          </p:nvPr>
+        </p:nvSpPr>
+        <p:spPr/>
+        <p:txBody>
+          <a:bodyPr/>
+          <a:lstStyle/>
+          <a:p>
+            <a:r>
+              <a:rPr lang="en-IN" dirty="0" smtClean="0"/>
+              <a:t>Tweaking models</a:t>
+            </a:r>
+            <a:endParaRPr lang="en-IN" dirty="0"/>
+          </a:p>
+        </p:txBody>
+      </p:sp>
+      <p:sp>
+        <p:nvSpPr>
+          <p:cNvPr id="6" name="Content Placeholder 5"/>
+          <p:cNvSpPr>
+            <a:spLocks noGrp="1"/>
+          </p:cNvSpPr>
+          <p:nvPr>
+            <p:ph idx="1"/>
+          </p:nvPr>
+        </p:nvSpPr>
+        <p:spPr/>
+        <p:txBody>
+          <a:bodyPr/>
+          <a:lstStyle/>
+          <a:p>
+            <a:r>
+              <a:rPr lang="en-IN" dirty="0" smtClean="0"/>
+              <a:t>LSTM was most promising</a:t>
+            </a:r>
+          </a:p>
+          <a:p>
+            <a:r>
+              <a:rPr lang="en-IN" dirty="0" smtClean="0"/>
+              <a:t>Tweak LSTM parameters to suit improved feature set</a:t>
+            </a:r>
+          </a:p>
+          <a:p>
+            <a:r>
+              <a:rPr lang="en-IN" dirty="0" smtClean="0"/>
+              <a:t>Test other models with improved feature set</a:t>
+            </a:r>
+          </a:p>
+        </p:txBody>
+      </p:sp>
+    </p:spTree>
+    <p:extLst>
+      <p:ext uri="{BB962C8B-B14F-4D97-AF65-F5344CB8AC3E}">
+        <p14:creationId xmlns:p14="http://schemas.microsoft.com/office/powerpoint/2010/main" val="3970465873"/>
+      </p:ext>
+    </p:extLst>
+  </p:cSld>
+  <p:clrMapOvr>
+    <a:masterClrMapping/>
+  </p:clrMapOvr>
+</p:sld>
+</file>
+
+<file path=ppt/slides/slide22.xml><?xml version="1.0" encoding="utf-8"?>
+<p:sld xmlns:a="http://schemas.openxmlformats.org/drawingml/2006/main" xmlns:r="http://schemas.openxmlformats.org/officeDocument/2006/relationships" xmlns:p="http://schemas.openxmlformats.org/presentationml/2006/main">
+  <p:cSld>
+    <p:spTree>
+      <p:nvGrpSpPr>
+        <p:cNvPr id="1" name=""/>
+        <p:cNvGrpSpPr/>
+        <p:nvPr/>
+      </p:nvGrpSpPr>
+      <p:grpSpPr>
+        <a:xfrm>
+          <a:off x="0" y="0"/>
+          <a:ext cx="0" cy="0"/>
+          <a:chOff x="0" y="0"/>
+          <a:chExt cx="0" cy="0"/>
+        </a:xfrm>
+      </p:grpSpPr>
+      <p:sp>
+        <p:nvSpPr>
           <p:cNvPr id="2" name="Title 1"/>
           <p:cNvSpPr>
             <a:spLocks noGrp="1"/>
@@ -7845,7 +7942,7 @@
 </p:sld>
 </file>
 
-<file path=ppt/slides/slide22.xml><?xml version="1.0" encoding="utf-8"?>
+<file path=ppt/slides/slide23.xml><?xml version="1.0" encoding="utf-8"?>
 <p:sld xmlns:a="http://schemas.openxmlformats.org/drawingml/2006/main" xmlns:r="http://schemas.openxmlformats.org/officeDocument/2006/relationships" xmlns:p="http://schemas.openxmlformats.org/presentationml/2006/main">
   <p:cSld>
     <p:spTree>
@@ -8599,6 +8696,12 @@
               <a:rPr lang="en-IN" dirty="0" smtClean="0"/>
               <a:t>Vader</a:t>
             </a:r>
+          </a:p>
+          <a:p>
+            <a:r>
+              <a:rPr lang="en-IN" dirty="0" smtClean="0"/>
+              <a:t>Tensor Flow</a:t>
+            </a:r>
             <a:endParaRPr lang="en-IN" dirty="0" smtClean="0"/>
           </a:p>
         </p:txBody>
@@ -8701,20 +8804,6 @@
             <a:r>
               <a:rPr lang="en-IN" dirty="0" smtClean="0"/>
               <a:t>SVR from </a:t>
-            </a:r>
-            <a:r>
-              <a:rPr lang="en-IN" dirty="0" err="1" smtClean="0"/>
-              <a:t>SciKit</a:t>
-            </a:r>
-            <a:r>
-              <a:rPr lang="en-IN" dirty="0" smtClean="0"/>
-              <a:t> Learn</a:t>
-            </a:r>
-          </a:p>
-          <a:p>
-            <a:r>
-              <a:rPr lang="en-IN" dirty="0" smtClean="0"/>
-              <a:t>Random Forest from </a:t>
             </a:r>
             <a:r>
               <a:rPr lang="en-IN" dirty="0" err="1" smtClean="0"/>
